--- a/Network_shareSession.pptx
+++ b/Network_shareSession.pptx
@@ -24,6 +24,13 @@
     <p:sldId id="269" r:id="rId21"/>
     <p:sldId id="270" r:id="rId22"/>
     <p:sldId id="271" r:id="rId23"/>
+    <p:sldId id="272" r:id="rId24"/>
+    <p:sldId id="273" r:id="rId25"/>
+    <p:sldId id="274" r:id="rId26"/>
+    <p:sldId id="275" r:id="rId27"/>
+    <p:sldId id="276" r:id="rId28"/>
+    <p:sldId id="277" r:id="rId29"/>
+    <p:sldId id="278" r:id="rId30"/>
   </p:sldIdLst>
   <p:sldSz cx="24384000" cy="13716000"/>
   <p:notesSz cx="6858000" cy="9144000"/>
@@ -4417,7 +4424,7 @@
       </p:sp>
       <p:sp>
         <p:nvSpPr>
-          <p:cNvPr id="195" name="Able to create graph easily from the function —-…"/>
+          <p:cNvPr id="195" name="Example of processed data…"/>
           <p:cNvSpPr txBox="1"/>
           <p:nvPr>
             <p:ph type="body" idx="1"/>
@@ -4441,7 +4448,7 @@
               <a:buNone/>
             </a:pPr>
             <a:r>
-              <a:t>Able to create graph easily from the function —- </a:t>
+              <a:t>Example of processed data </a:t>
             </a:r>
           </a:p>
           <a:p>
@@ -4449,12 +4456,88 @@
               <a:buSzTx/>
               <a:buNone/>
             </a:pPr>
-            <a:r>
-              <a:t>Just need to state which is the ‘source’ and ‘target’ </a:t>
-            </a:r>
-          </a:p>
-        </p:txBody>
-      </p:sp>
+          </a:p>
+          <a:p>
+            <a:pPr marL="0" indent="0">
+              <a:buSzTx/>
+              <a:buNone/>
+            </a:pPr>
+          </a:p>
+          <a:p>
+            <a:pPr marL="0" indent="0">
+              <a:buSzTx/>
+              <a:buNone/>
+            </a:pPr>
+            <a:r>
+              <a:t>We can easily create a graph using function </a:t>
+            </a:r>
+          </a:p>
+          <a:p>
+            <a:pPr marL="0" indent="0">
+              <a:buSzTx/>
+              <a:buNone/>
+            </a:pPr>
+          </a:p>
+        </p:txBody>
+      </p:sp>
+      <p:pic>
+        <p:nvPicPr>
+          <p:cNvPr id="196" name="Image" descr="Image"/>
+          <p:cNvPicPr>
+            <a:picLocks noChangeAspect="1"/>
+          </p:cNvPicPr>
+          <p:nvPr/>
+        </p:nvPicPr>
+        <p:blipFill>
+          <a:blip r:embed="rId2">
+            <a:extLst/>
+          </a:blip>
+          <a:stretch>
+            <a:fillRect/>
+          </a:stretch>
+        </p:blipFill>
+        <p:spPr>
+          <a:xfrm>
+            <a:off x="10617448" y="3541495"/>
+            <a:ext cx="11446497" cy="2038194"/>
+          </a:xfrm>
+          <a:prstGeom prst="rect">
+            <a:avLst/>
+          </a:prstGeom>
+          <a:ln w="12700">
+            <a:miter lim="400000"/>
+          </a:ln>
+        </p:spPr>
+      </p:pic>
+      <p:pic>
+        <p:nvPicPr>
+          <p:cNvPr id="197" name="Image" descr="Image"/>
+          <p:cNvPicPr>
+            <a:picLocks noChangeAspect="1"/>
+          </p:cNvPicPr>
+          <p:nvPr/>
+        </p:nvPicPr>
+        <p:blipFill>
+          <a:blip r:embed="rId3">
+            <a:extLst/>
+          </a:blip>
+          <a:stretch>
+            <a:fillRect/>
+          </a:stretch>
+        </p:blipFill>
+        <p:spPr>
+          <a:xfrm>
+            <a:off x="2188426" y="8501736"/>
+            <a:ext cx="17141024" cy="3012230"/>
+          </a:xfrm>
+          <a:prstGeom prst="rect">
+            <a:avLst/>
+          </a:prstGeom>
+          <a:ln w="12700">
+            <a:miter lim="400000"/>
+          </a:ln>
+        </p:spPr>
+      </p:pic>
     </p:spTree>
   </p:cSld>
   <p:clrMapOvr>
@@ -4483,7 +4566,7 @@
       </p:grpSpPr>
       <p:sp>
         <p:nvSpPr>
-          <p:cNvPr id="197" name="Preprocessing"/>
+          <p:cNvPr id="199" name="Visualisation of Graph"/>
           <p:cNvSpPr txBox="1"/>
           <p:nvPr>
             <p:ph type="title"/>
@@ -4500,81 +4583,40 @@
           <a:p>
             <a:pPr/>
             <a:r>
-              <a:t>Preprocessing </a:t>
-            </a:r>
-          </a:p>
-        </p:txBody>
-      </p:sp>
-      <p:sp>
-        <p:nvSpPr>
-          <p:cNvPr id="198" name="Slide Subtitle"/>
-          <p:cNvSpPr txBox="1"/>
-          <p:nvPr>
-            <p:ph type="body" idx="21"/>
-          </p:nvPr>
-        </p:nvSpPr>
-        <p:spPr>
-          <a:prstGeom prst="rect">
-            <a:avLst/>
-          </a:prstGeom>
-        </p:spPr>
-        <p:txBody>
-          <a:bodyPr/>
-          <a:lstStyle/>
-          <a:p>
-            <a:pPr/>
-          </a:p>
-        </p:txBody>
-      </p:sp>
-      <p:sp>
-        <p:nvSpPr>
-          <p:cNvPr id="199" name="Most connected destination :…"/>
-          <p:cNvSpPr txBox="1"/>
-          <p:nvPr>
-            <p:ph type="body" idx="1"/>
-          </p:nvPr>
-        </p:nvSpPr>
+              <a:t>Visualisation of Graph</a:t>
+            </a:r>
+          </a:p>
+        </p:txBody>
+      </p:sp>
+      <p:pic>
+        <p:nvPicPr>
+          <p:cNvPr id="200" name="Image" descr="Image"/>
+          <p:cNvPicPr>
+            <a:picLocks noChangeAspect="1"/>
+          </p:cNvPicPr>
+          <p:nvPr/>
+        </p:nvPicPr>
+        <p:blipFill>
+          <a:blip r:embed="rId2">
+            <a:extLst/>
+          </a:blip>
+          <a:stretch>
+            <a:fillRect/>
+          </a:stretch>
+        </p:blipFill>
         <p:spPr>
           <a:xfrm>
-            <a:off x="1206500" y="3631188"/>
-            <a:ext cx="21971000" cy="8256011"/>
+            <a:off x="4264343" y="2059582"/>
+            <a:ext cx="15855314" cy="11826505"/>
           </a:xfrm>
           <a:prstGeom prst="rect">
             <a:avLst/>
           </a:prstGeom>
-        </p:spPr>
-        <p:txBody>
-          <a:bodyPr/>
-          <a:lstStyle/>
-          <a:p>
-            <a:pPr marL="0" indent="0">
-              <a:buSzTx/>
-              <a:buNone/>
-            </a:pPr>
-            <a:r>
-              <a:t>Most connected destination :</a:t>
-            </a:r>
-          </a:p>
-          <a:p>
-            <a:pPr marL="0" indent="0">
-              <a:buSzTx/>
-              <a:buNone/>
-            </a:pPr>
-            <a:r>
-              <a:t>132 -2 J</a:t>
-            </a:r>
-          </a:p>
-          <a:p>
-            <a:pPr marL="0" indent="0">
-              <a:buSzTx/>
-              <a:buNone/>
-            </a:pPr>
-            <a:r>
-              <a:t>138 - 2 </a:t>
-            </a:r>
-          </a:p>
-        </p:txBody>
-      </p:sp>
+          <a:ln w="12700">
+            <a:miter lim="400000"/>
+          </a:ln>
+        </p:spPr>
+      </p:pic>
     </p:spTree>
   </p:cSld>
   <p:clrMapOvr>
@@ -4603,7 +4645,7 @@
       </p:grpSpPr>
       <p:sp>
         <p:nvSpPr>
-          <p:cNvPr id="201" name="Shortest Path - Dijkstra’s algorithm"/>
+          <p:cNvPr id="202" name="Centrality - Highest Degree Nodes"/>
           <p:cNvSpPr txBox="1"/>
           <p:nvPr>
             <p:ph type="title"/>
@@ -4620,88 +4662,115 @@
           <a:p>
             <a:pPr/>
             <a:r>
-              <a:t>Shortest Path - Dijkstra’s algorithm </a:t>
-            </a:r>
-          </a:p>
-        </p:txBody>
-      </p:sp>
-      <p:sp>
-        <p:nvSpPr>
-          <p:cNvPr id="202" name="Slide Subtitle"/>
-          <p:cNvSpPr txBox="1"/>
-          <p:nvPr>
-            <p:ph type="body" idx="21"/>
-          </p:nvPr>
-        </p:nvSpPr>
-        <p:spPr>
-          <a:prstGeom prst="rect">
-            <a:avLst/>
-          </a:prstGeom>
-        </p:spPr>
-        <p:txBody>
-          <a:bodyPr/>
+              <a:t>Centrality - Highest Degree Nodes</a:t>
+            </a:r>
+          </a:p>
+        </p:txBody>
+      </p:sp>
+      <p:sp>
+        <p:nvSpPr>
+          <p:cNvPr id="203" name="For 2021"/>
+          <p:cNvSpPr txBox="1"/>
+          <p:nvPr/>
+        </p:nvSpPr>
+        <p:spPr>
+          <a:xfrm>
+            <a:off x="1083571" y="2780906"/>
+            <a:ext cx="12609993" cy="461366"/>
+          </a:xfrm>
+          <a:prstGeom prst="rect">
+            <a:avLst/>
+          </a:prstGeom>
+          <a:ln w="12700">
+            <a:miter lim="400000"/>
+          </a:ln>
+          <a:extLst>
+            <a:ext uri="{C572A759-6A51-4108-AA02-DFA0A04FC94B}">
+              <ma14:wrappingTextBoxFlag xmlns:ma14="http://schemas.microsoft.com/office/mac/drawingml/2011/main" val="1"/>
+            </a:ext>
+          </a:extLst>
+        </p:spPr>
+        <p:txBody>
+          <a:bodyPr lIns="50800" tIns="50800" rIns="50800" bIns="50800" anchor="ctr">
+            <a:spAutoFit/>
+          </a:bodyPr>
           <a:lstStyle/>
           <a:p>
             <a:pPr/>
-          </a:p>
-        </p:txBody>
-      </p:sp>
-      <p:sp>
-        <p:nvSpPr>
-          <p:cNvPr id="203" name="created and published by Dr. Edsger W. Dijkstra in 1959…"/>
-          <p:cNvSpPr txBox="1"/>
-          <p:nvPr>
-            <p:ph type="body" sz="quarter" idx="1"/>
-          </p:nvPr>
+            <a:r>
+              <a:t>For 2021</a:t>
+            </a:r>
+          </a:p>
+        </p:txBody>
+      </p:sp>
+      <p:sp>
+        <p:nvSpPr>
+          <p:cNvPr id="204" name="How does this compare to April 2020?"/>
+          <p:cNvSpPr txBox="1"/>
+          <p:nvPr/>
         </p:nvSpPr>
         <p:spPr>
           <a:xfrm>
-            <a:off x="982021" y="3434769"/>
-            <a:ext cx="6820659" cy="8256011"/>
+            <a:off x="1070011" y="8592726"/>
+            <a:ext cx="5342230" cy="461367"/>
           </a:xfrm>
           <a:prstGeom prst="rect">
             <a:avLst/>
           </a:prstGeom>
-        </p:spPr>
-        <p:txBody>
-          <a:bodyPr/>
+          <a:ln w="12700">
+            <a:miter lim="400000"/>
+          </a:ln>
+          <a:extLst>
+            <a:ext uri="{C572A759-6A51-4108-AA02-DFA0A04FC94B}">
+              <ma14:wrappingTextBoxFlag xmlns:ma14="http://schemas.microsoft.com/office/mac/drawingml/2011/main" val="1"/>
+            </a:ext>
+          </a:extLst>
+        </p:spPr>
+        <p:txBody>
+          <a:bodyPr wrap="none" lIns="50800" tIns="50800" rIns="50800" bIns="50800" anchor="ctr">
+            <a:spAutoFit/>
+          </a:bodyPr>
           <a:lstStyle/>
           <a:p>
-            <a:pPr marL="0" indent="0">
-              <a:buSzTx/>
-              <a:buNone/>
-            </a:pPr>
-            <a:r>
-              <a:t>created and published by </a:t>
-            </a:r>
-            <a:r>
-              <a:rPr u="sng">
-                <a:hlinkClick r:id="rId2" invalidUrl="" action="" tgtFrame="" tooltip="" history="1" highlightClick="0" endSnd="0"/>
-              </a:rPr>
-              <a:t>Dr. Edsger W. Dijkstra</a:t>
-            </a:r>
-            <a:r>
-              <a:t> in 1959</a:t>
-            </a:r>
-          </a:p>
-          <a:p>
-            <a:pPr marL="0" indent="0">
-              <a:buSzTx/>
-              <a:buNone/>
-            </a:pPr>
-            <a:r>
-              <a:t>The algorithm works on weighted undirected/directed graphs, the weights must be </a:t>
-            </a:r>
-            <a:r>
-              <a:rPr b="1"/>
-              <a:t>non-negative (Can use Bellman–Ford algorithm for negative weights)</a:t>
+            <a:pPr/>
+            <a:r>
+              <a:t>How does this compare to April 2020?</a:t>
             </a:r>
           </a:p>
         </p:txBody>
       </p:sp>
       <p:pic>
         <p:nvPicPr>
-          <p:cNvPr id="204" name="Image" descr="Image"/>
+          <p:cNvPr id="205" name="Image" descr="Image"/>
+          <p:cNvPicPr>
+            <a:picLocks noChangeAspect="1"/>
+          </p:cNvPicPr>
+          <p:nvPr/>
+        </p:nvPicPr>
+        <p:blipFill>
+          <a:blip r:embed="rId2">
+            <a:extLst/>
+          </a:blip>
+          <a:stretch>
+            <a:fillRect/>
+          </a:stretch>
+        </p:blipFill>
+        <p:spPr>
+          <a:xfrm>
+            <a:off x="6121224" y="9598151"/>
+            <a:ext cx="12542335" cy="2629845"/>
+          </a:xfrm>
+          <a:prstGeom prst="rect">
+            <a:avLst/>
+          </a:prstGeom>
+          <a:ln w="12700">
+            <a:miter lim="400000"/>
+          </a:ln>
+        </p:spPr>
+      </p:pic>
+      <p:pic>
+        <p:nvPicPr>
+          <p:cNvPr id="206" name="Image" descr="Image"/>
           <p:cNvPicPr>
             <a:picLocks noChangeAspect="1"/>
           </p:cNvPicPr>
@@ -4717,8 +4786,8 @@
         </p:blipFill>
         <p:spPr>
           <a:xfrm>
-            <a:off x="8428942" y="3472797"/>
-            <a:ext cx="14782191" cy="8256012"/>
+            <a:off x="6657344" y="3371630"/>
+            <a:ext cx="14114055" cy="2917811"/>
           </a:xfrm>
           <a:prstGeom prst="rect">
             <a:avLst/>
@@ -4756,7 +4825,7 @@
       </p:grpSpPr>
       <p:sp>
         <p:nvSpPr>
-          <p:cNvPr id="206" name="Shortest path - Trip distance"/>
+          <p:cNvPr id="208" name="Centrality - Closeness (trip distance)"/>
           <p:cNvSpPr txBox="1"/>
           <p:nvPr>
             <p:ph type="title"/>
@@ -4773,35 +4842,14 @@
           <a:p>
             <a:pPr/>
             <a:r>
-              <a:t>Shortest path - Trip distance </a:t>
-            </a:r>
-          </a:p>
-        </p:txBody>
-      </p:sp>
-      <p:sp>
-        <p:nvSpPr>
-          <p:cNvPr id="207" name="Slide Subtitle"/>
-          <p:cNvSpPr txBox="1"/>
-          <p:nvPr>
-            <p:ph type="body" idx="21"/>
-          </p:nvPr>
-        </p:nvSpPr>
-        <p:spPr>
-          <a:prstGeom prst="rect">
-            <a:avLst/>
-          </a:prstGeom>
-        </p:spPr>
-        <p:txBody>
-          <a:bodyPr/>
-          <a:lstStyle/>
-          <a:p>
-            <a:pPr/>
+              <a:t>Centrality - Closeness (trip distance)</a:t>
+            </a:r>
           </a:p>
         </p:txBody>
       </p:sp>
       <p:pic>
         <p:nvPicPr>
-          <p:cNvPr id="208" name="Image" descr="Image"/>
+          <p:cNvPr id="209" name="Image" descr="Image"/>
           <p:cNvPicPr>
             <a:picLocks noChangeAspect="1"/>
           </p:cNvPicPr>
@@ -4817,8 +4865,8 @@
         </p:blipFill>
         <p:spPr>
           <a:xfrm>
-            <a:off x="12841548" y="3664210"/>
-            <a:ext cx="9686394" cy="9424600"/>
+            <a:off x="12740761" y="2528572"/>
+            <a:ext cx="11109818" cy="10366686"/>
           </a:xfrm>
           <a:prstGeom prst="rect">
             <a:avLst/>
@@ -4828,57 +4876,67 @@
           </a:ln>
         </p:spPr>
       </p:pic>
-      <p:sp>
-        <p:nvSpPr>
-          <p:cNvPr id="209" name="Lets say we want to travel from Coney Island (ID 15, orange) to Bay Terrace (ID 55m Green)…"/>
-          <p:cNvSpPr txBox="1"/>
-          <p:nvPr>
-            <p:ph type="body" sz="half" idx="1"/>
-          </p:nvPr>
-        </p:nvSpPr>
+      <p:pic>
+        <p:nvPicPr>
+          <p:cNvPr id="210" name="Image" descr="Image"/>
+          <p:cNvPicPr>
+            <a:picLocks noChangeAspect="1"/>
+          </p:cNvPicPr>
+          <p:nvPr/>
+        </p:nvPicPr>
+        <p:blipFill>
+          <a:blip r:embed="rId3">
+            <a:extLst/>
+          </a:blip>
+          <a:stretch>
+            <a:fillRect/>
+          </a:stretch>
+        </p:blipFill>
         <p:spPr>
           <a:xfrm>
-            <a:off x="1290679" y="3490888"/>
-            <a:ext cx="11226347" cy="8256012"/>
+            <a:off x="562177" y="7574727"/>
+            <a:ext cx="11636772" cy="4354406"/>
           </a:xfrm>
           <a:prstGeom prst="rect">
             <a:avLst/>
           </a:prstGeom>
-        </p:spPr>
-        <p:txBody>
-          <a:bodyPr/>
+          <a:ln w="12700">
+            <a:miter lim="400000"/>
+          </a:ln>
+        </p:spPr>
+      </p:pic>
+      <p:sp>
+        <p:nvSpPr>
+          <p:cNvPr id="211" name="Manhattan borough closeness in distances"/>
+          <p:cNvSpPr txBox="1"/>
+          <p:nvPr/>
+        </p:nvSpPr>
+        <p:spPr>
+          <a:xfrm>
+            <a:off x="509479" y="3314350"/>
+            <a:ext cx="5957926" cy="461366"/>
+          </a:xfrm>
+          <a:prstGeom prst="rect">
+            <a:avLst/>
+          </a:prstGeom>
+          <a:ln w="12700">
+            <a:miter lim="400000"/>
+          </a:ln>
+          <a:extLst>
+            <a:ext uri="{C572A759-6A51-4108-AA02-DFA0A04FC94B}">
+              <ma14:wrappingTextBoxFlag xmlns:ma14="http://schemas.microsoft.com/office/mac/drawingml/2011/main" val="1"/>
+            </a:ext>
+          </a:extLst>
+        </p:spPr>
+        <p:txBody>
+          <a:bodyPr wrap="none" lIns="50800" tIns="50800" rIns="50800" bIns="50800" anchor="ctr">
+            <a:spAutoFit/>
+          </a:bodyPr>
           <a:lstStyle/>
           <a:p>
-            <a:pPr marL="0" indent="0">
-              <a:buSzTx/>
-              <a:buNone/>
-            </a:pPr>
-            <a:r>
-              <a:t>Lets say we want to travel from Coney Island (ID 15, orange) to Bay Terrace (ID 55m Green)</a:t>
-            </a:r>
-          </a:p>
-          <a:p>
-            <a:pPr marL="0" indent="0">
-              <a:buSzTx/>
-              <a:buNone/>
-            </a:pPr>
-            <a:r>
-              <a:t>What is the shortest path in terms of distance, time and cost?</a:t>
-            </a:r>
-          </a:p>
-          <a:p>
-            <a:pPr marL="0" indent="0">
-              <a:buSzTx/>
-              <a:buNone/>
-            </a:pPr>
-          </a:p>
-          <a:p>
-            <a:pPr marL="0" indent="0">
-              <a:buSzTx/>
-              <a:buNone/>
-            </a:pPr>
-            <a:r>
-              <a:t>Shortest distance:</a:t>
+            <a:pPr/>
+            <a:r>
+              <a:t>Manhattan borough closeness in distances</a:t>
             </a:r>
           </a:p>
         </p:txBody>
@@ -4911,7 +4969,7 @@
       </p:grpSpPr>
       <p:sp>
         <p:nvSpPr>
-          <p:cNvPr id="211" name="Shortest path - Duration distance"/>
+          <p:cNvPr id="213" name="Shortest Path - Dijkstra’s algorithm"/>
           <p:cNvSpPr txBox="1"/>
           <p:nvPr>
             <p:ph type="title"/>
@@ -4928,20 +4986,24 @@
           <a:p>
             <a:pPr/>
             <a:r>
-              <a:t>Shortest path - Duration distance </a:t>
-            </a:r>
-          </a:p>
-        </p:txBody>
-      </p:sp>
-      <p:sp>
-        <p:nvSpPr>
-          <p:cNvPr id="212" name="Slide Subtitle"/>
-          <p:cNvSpPr txBox="1"/>
-          <p:nvPr>
-            <p:ph type="body" idx="21"/>
-          </p:nvPr>
-        </p:nvSpPr>
-        <p:spPr>
+              <a:t>Shortest Path - Dijkstra’s algorithm </a:t>
+            </a:r>
+          </a:p>
+        </p:txBody>
+      </p:sp>
+      <p:sp>
+        <p:nvSpPr>
+          <p:cNvPr id="214" name="Created Dr. Edsger W. Dijkstra in 1959…"/>
+          <p:cNvSpPr txBox="1"/>
+          <p:nvPr>
+            <p:ph type="body" sz="quarter" idx="1"/>
+          </p:nvPr>
+        </p:nvSpPr>
+        <p:spPr>
+          <a:xfrm>
+            <a:off x="982021" y="3434769"/>
+            <a:ext cx="6820659" cy="8256011"/>
+          </a:xfrm>
           <a:prstGeom prst="rect">
             <a:avLst/>
           </a:prstGeom>
@@ -4950,20 +5012,48 @@
           <a:bodyPr/>
           <a:lstStyle/>
           <a:p>
-            <a:pPr/>
+            <a:pPr marL="0" indent="0">
+              <a:buSzTx/>
+              <a:buNone/>
+            </a:pPr>
+            <a:r>
+              <a:t>Created </a:t>
+            </a:r>
+            <a:r>
+              <a:rPr u="sng">
+                <a:hlinkClick r:id="rId2" invalidUrl="" action="" tgtFrame="" tooltip="" history="1" highlightClick="0" endSnd="0"/>
+              </a:rPr>
+              <a:t>Dr. Edsger W. Dijkstra</a:t>
+            </a:r>
+            <a:r>
+              <a:t> in 1959</a:t>
+            </a:r>
+          </a:p>
+          <a:p>
+            <a:pPr marL="0" indent="0">
+              <a:buSzTx/>
+              <a:buNone/>
+            </a:pPr>
+            <a:r>
+              <a:t>The algorithm works on weighted undirected/directed graphs, the weights must be </a:t>
+            </a:r>
+            <a:r>
+              <a:rPr b="1"/>
+              <a:t>non-negative (Can use Bellman–Ford algorithm for negative weights)</a:t>
+            </a:r>
           </a:p>
         </p:txBody>
       </p:sp>
       <p:pic>
         <p:nvPicPr>
-          <p:cNvPr id="213" name="Image" descr="Image"/>
+          <p:cNvPr id="215" name="Image" descr="Image"/>
           <p:cNvPicPr>
             <a:picLocks noChangeAspect="1"/>
           </p:cNvPicPr>
           <p:nvPr/>
         </p:nvPicPr>
         <p:blipFill>
-          <a:blip r:embed="rId2">
+          <a:blip r:embed="rId3">
             <a:extLst/>
           </a:blip>
           <a:stretch>
@@ -4972,8 +5062,8 @@
         </p:blipFill>
         <p:spPr>
           <a:xfrm>
-            <a:off x="11965344" y="3891183"/>
-            <a:ext cx="10993681" cy="8439133"/>
+            <a:off x="8428942" y="3472797"/>
+            <a:ext cx="14782191" cy="8256012"/>
           </a:xfrm>
           <a:prstGeom prst="rect">
             <a:avLst/>
@@ -5011,7 +5101,7 @@
       </p:grpSpPr>
       <p:sp>
         <p:nvSpPr>
-          <p:cNvPr id="215" name="Shortest path - Algorithms"/>
+          <p:cNvPr id="217" name="Shortest path"/>
           <p:cNvSpPr txBox="1"/>
           <p:nvPr>
             <p:ph type="title"/>
@@ -5028,14 +5118,14 @@
           <a:p>
             <a:pPr/>
             <a:r>
-              <a:t>Shortest path - Algorithms </a:t>
-            </a:r>
-          </a:p>
-        </p:txBody>
-      </p:sp>
-      <p:sp>
-        <p:nvSpPr>
-          <p:cNvPr id="216" name="Slide Subtitle"/>
+              <a:t>Shortest path</a:t>
+            </a:r>
+          </a:p>
+        </p:txBody>
+      </p:sp>
+      <p:sp>
+        <p:nvSpPr>
+          <p:cNvPr id="218" name="Slide Subtitle"/>
           <p:cNvSpPr txBox="1"/>
           <p:nvPr>
             <p:ph type="body" idx="21"/>
@@ -5056,16 +5146,16 @@
       </p:sp>
       <p:sp>
         <p:nvSpPr>
-          <p:cNvPr id="217" name="Most connected destination :…"/>
-          <p:cNvSpPr txBox="1"/>
-          <p:nvPr>
-            <p:ph type="body" idx="1"/>
+          <p:cNvPr id="219" name="Lets say we want to travel from Bay Ridge (ID 14) to Glen Oaks (ID 101)…"/>
+          <p:cNvSpPr txBox="1"/>
+          <p:nvPr>
+            <p:ph type="body" sz="half" idx="1"/>
           </p:nvPr>
         </p:nvSpPr>
         <p:spPr>
           <a:xfrm>
-            <a:off x="1206500" y="3631188"/>
-            <a:ext cx="21971000" cy="8256011"/>
+            <a:off x="1290679" y="3490888"/>
+            <a:ext cx="11226347" cy="8256012"/>
           </a:xfrm>
           <a:prstGeom prst="rect">
             <a:avLst/>
@@ -5080,7 +5170,7 @@
               <a:buNone/>
             </a:pPr>
             <a:r>
-              <a:t>Most connected destination :</a:t>
+              <a:t>Lets say we want to travel from Bay Ridge (ID 14) to Glen Oaks (ID 101) </a:t>
             </a:r>
           </a:p>
           <a:p>
@@ -5088,24 +5178,395 @@
               <a:buSzTx/>
               <a:buNone/>
             </a:pPr>
-            <a:r>
-              <a:t>132 -2 J</a:t>
-            </a:r>
           </a:p>
           <a:p>
             <a:pPr marL="0" indent="0">
               <a:buSzTx/>
               <a:buNone/>
             </a:pPr>
-            <a:r>
-              <a:t>138 - 2 </a:t>
-            </a:r>
-          </a:p>
-        </p:txBody>
-      </p:sp>
+          </a:p>
+          <a:p>
+            <a:pPr marL="0" indent="0">
+              <a:buSzTx/>
+              <a:buNone/>
+            </a:pPr>
+            <a:r>
+              <a:t>What is the shortest path in terms of distance, time and cost?</a:t>
+            </a:r>
+          </a:p>
+        </p:txBody>
+      </p:sp>
+      <p:grpSp>
+        <p:nvGrpSpPr>
+          <p:cNvPr id="224" name="Group"/>
+          <p:cNvGrpSpPr/>
+          <p:nvPr/>
+        </p:nvGrpSpPr>
+        <p:grpSpPr>
+          <a:xfrm>
+            <a:off x="12967879" y="958106"/>
+            <a:ext cx="11368177" cy="8786320"/>
+            <a:chOff x="0" y="0"/>
+            <a:chExt cx="11368175" cy="8786319"/>
+          </a:xfrm>
+        </p:grpSpPr>
+        <p:pic>
+          <p:nvPicPr>
+            <p:cNvPr id="220" name="Image" descr="Image"/>
+            <p:cNvPicPr>
+              <a:picLocks noChangeAspect="1"/>
+            </p:cNvPicPr>
+            <p:nvPr/>
+          </p:nvPicPr>
+          <p:blipFill>
+            <a:blip r:embed="rId2">
+              <a:extLst/>
+            </a:blip>
+            <a:stretch>
+              <a:fillRect/>
+            </a:stretch>
+          </p:blipFill>
+          <p:spPr>
+            <a:xfrm>
+              <a:off x="0" y="0"/>
+              <a:ext cx="11368176" cy="8786320"/>
+            </a:xfrm>
+            <a:prstGeom prst="rect">
+              <a:avLst/>
+            </a:prstGeom>
+            <a:ln w="12700" cap="flat">
+              <a:noFill/>
+              <a:miter lim="400000"/>
+            </a:ln>
+            <a:effectLst/>
+          </p:spPr>
+        </p:pic>
+        <p:sp>
+          <p:nvSpPr>
+            <p:cNvPr id="221" name="Star"/>
+            <p:cNvSpPr/>
+            <p:nvPr/>
+          </p:nvSpPr>
+          <p:spPr>
+            <a:xfrm>
+              <a:off x="598310" y="5364972"/>
+              <a:ext cx="593901" cy="573292"/>
+            </a:xfrm>
+            <a:prstGeom prst="star5">
+              <a:avLst>
+                <a:gd name="adj" fmla="val 19100"/>
+                <a:gd name="hf" fmla="val 105146"/>
+                <a:gd name="vf" fmla="val 110557"/>
+              </a:avLst>
+            </a:prstGeom>
+            <a:solidFill>
+              <a:srgbClr val="ED220D"/>
+            </a:solidFill>
+            <a:ln w="12700" cap="flat">
+              <a:noFill/>
+              <a:miter lim="400000"/>
+            </a:ln>
+            <a:effectLst/>
+          </p:spPr>
+          <p:txBody>
+            <a:bodyPr wrap="square" lIns="50800" tIns="50800" rIns="50800" bIns="50800" numCol="1" anchor="ctr">
+              <a:noAutofit/>
+            </a:bodyPr>
+            <a:lstStyle/>
+            <a:p>
+              <a:pPr defTabSz="825500">
+                <a:defRPr sz="3200">
+                  <a:solidFill>
+                    <a:srgbClr val="FFFFFF"/>
+                  </a:solidFill>
+                  <a:latin typeface="Helvetica Neue Medium"/>
+                  <a:ea typeface="Helvetica Neue Medium"/>
+                  <a:cs typeface="Helvetica Neue Medium"/>
+                  <a:sym typeface="Helvetica Neue Medium"/>
+                </a:defRPr>
+              </a:pPr>
+            </a:p>
+          </p:txBody>
+        </p:sp>
+        <p:sp>
+          <p:nvSpPr>
+            <p:cNvPr id="222" name="Star"/>
+            <p:cNvSpPr/>
+            <p:nvPr/>
+          </p:nvSpPr>
+          <p:spPr>
+            <a:xfrm>
+              <a:off x="8605854" y="1437490"/>
+              <a:ext cx="593901" cy="573292"/>
+            </a:xfrm>
+            <a:prstGeom prst="star5">
+              <a:avLst>
+                <a:gd name="adj" fmla="val 19100"/>
+                <a:gd name="hf" fmla="val 105146"/>
+                <a:gd name="vf" fmla="val 110557"/>
+              </a:avLst>
+            </a:prstGeom>
+            <a:solidFill>
+              <a:srgbClr val="ED220D"/>
+            </a:solidFill>
+            <a:ln w="12700" cap="flat">
+              <a:noFill/>
+              <a:miter lim="400000"/>
+            </a:ln>
+            <a:effectLst/>
+          </p:spPr>
+          <p:txBody>
+            <a:bodyPr wrap="square" lIns="50800" tIns="50800" rIns="50800" bIns="50800" numCol="1" anchor="ctr">
+              <a:noAutofit/>
+            </a:bodyPr>
+            <a:lstStyle/>
+            <a:p>
+              <a:pPr defTabSz="825500">
+                <a:defRPr sz="3200">
+                  <a:solidFill>
+                    <a:srgbClr val="FFFFFF"/>
+                  </a:solidFill>
+                  <a:latin typeface="Helvetica Neue Medium"/>
+                  <a:ea typeface="Helvetica Neue Medium"/>
+                  <a:cs typeface="Helvetica Neue Medium"/>
+                  <a:sym typeface="Helvetica Neue Medium"/>
+                </a:defRPr>
+              </a:pPr>
+            </a:p>
+          </p:txBody>
+        </p:sp>
+        <p:sp>
+          <p:nvSpPr>
+            <p:cNvPr id="223" name="Line"/>
+            <p:cNvSpPr/>
+            <p:nvPr/>
+          </p:nvSpPr>
+          <p:spPr>
+            <a:xfrm flipV="1">
+              <a:off x="1158863" y="1988332"/>
+              <a:ext cx="7220181" cy="3690708"/>
+            </a:xfrm>
+            <a:prstGeom prst="line">
+              <a:avLst/>
+            </a:prstGeom>
+            <a:noFill/>
+            <a:ln w="76200" cap="flat">
+              <a:solidFill>
+                <a:srgbClr val="ED220D"/>
+              </a:solidFill>
+              <a:prstDash val="solid"/>
+              <a:miter lim="400000"/>
+            </a:ln>
+            <a:effectLst/>
+          </p:spPr>
+          <p:txBody>
+            <a:bodyPr wrap="square" lIns="50800" tIns="50800" rIns="50800" bIns="50800" numCol="1" anchor="ctr">
+              <a:noAutofit/>
+            </a:bodyPr>
+            <a:lstStyle/>
+            <a:p>
+              <a:pPr/>
+            </a:p>
+          </p:txBody>
+        </p:sp>
+      </p:grpSp>
       <p:pic>
         <p:nvPicPr>
-          <p:cNvPr id="218" name="Image" descr="Image"/>
+          <p:cNvPr id="225" name="Image" descr="Image"/>
+          <p:cNvPicPr>
+            <a:picLocks noChangeAspect="1"/>
+          </p:cNvPicPr>
+          <p:nvPr/>
+        </p:nvPicPr>
+        <p:blipFill>
+          <a:blip r:embed="rId3">
+            <a:extLst/>
+          </a:blip>
+          <a:stretch>
+            <a:fillRect/>
+          </a:stretch>
+        </p:blipFill>
+        <p:spPr>
+          <a:xfrm>
+            <a:off x="735697" y="10076953"/>
+            <a:ext cx="15395238" cy="2830008"/>
+          </a:xfrm>
+          <a:prstGeom prst="rect">
+            <a:avLst/>
+          </a:prstGeom>
+          <a:ln w="12700">
+            <a:miter lim="400000"/>
+          </a:ln>
+        </p:spPr>
+      </p:pic>
+    </p:spTree>
+  </p:cSld>
+  <p:clrMapOvr>
+    <a:masterClrMapping/>
+  </p:clrMapOvr>
+  <p:transition xmlns:p14="http://schemas.microsoft.com/office/powerpoint/2010/main" spd="med" advClick="1"/>
+</p:sld>
+</file>
+
+<file path=ppt/slides/slide17.xml><?xml version="1.0" encoding="utf-8"?>
+<p:sld xmlns:a="http://schemas.openxmlformats.org/drawingml/2006/main" xmlns:r="http://schemas.openxmlformats.org/officeDocument/2006/relationships" xmlns:p="http://schemas.openxmlformats.org/presentationml/2006/main" xmlns:m="http://schemas.openxmlformats.org/officeDocument/2006/math" xmlns:a14="http://schemas.microsoft.com/office/drawing/2010/main" showMasterSp="1" showMasterPhAnim="1">
+  <p:cSld>
+    <p:spTree>
+      <p:nvGrpSpPr>
+        <p:cNvPr id="1" name=""/>
+        <p:cNvGrpSpPr/>
+        <p:nvPr/>
+      </p:nvGrpSpPr>
+      <p:grpSpPr>
+        <a:xfrm>
+          <a:off x="0" y="0"/>
+          <a:ext cx="0" cy="0"/>
+          <a:chOff x="0" y="0"/>
+          <a:chExt cx="0" cy="0"/>
+        </a:xfrm>
+      </p:grpSpPr>
+      <p:sp>
+        <p:nvSpPr>
+          <p:cNvPr id="227" name="Shortest path - Trip Distance"/>
+          <p:cNvSpPr txBox="1"/>
+          <p:nvPr>
+            <p:ph type="title"/>
+          </p:nvPr>
+        </p:nvSpPr>
+        <p:spPr>
+          <a:prstGeom prst="rect">
+            <a:avLst/>
+          </a:prstGeom>
+        </p:spPr>
+        <p:txBody>
+          <a:bodyPr/>
+          <a:lstStyle/>
+          <a:p>
+            <a:pPr/>
+            <a:r>
+              <a:t>Shortest path - Trip Distance  </a:t>
+            </a:r>
+          </a:p>
+        </p:txBody>
+      </p:sp>
+      <p:sp>
+        <p:nvSpPr>
+          <p:cNvPr id="228" name="Slide Subtitle"/>
+          <p:cNvSpPr txBox="1"/>
+          <p:nvPr>
+            <p:ph type="body" idx="21"/>
+          </p:nvPr>
+        </p:nvSpPr>
+        <p:spPr>
+          <a:prstGeom prst="rect">
+            <a:avLst/>
+          </a:prstGeom>
+        </p:spPr>
+        <p:txBody>
+          <a:bodyPr/>
+          <a:lstStyle/>
+          <a:p>
+            <a:pPr/>
+          </a:p>
+        </p:txBody>
+      </p:sp>
+      <p:sp>
+        <p:nvSpPr>
+          <p:cNvPr id="229" name="Shortest Distance:…"/>
+          <p:cNvSpPr txBox="1"/>
+          <p:nvPr>
+            <p:ph type="body" sz="half" idx="1"/>
+          </p:nvPr>
+        </p:nvSpPr>
+        <p:spPr>
+          <a:xfrm>
+            <a:off x="1290679" y="3490888"/>
+            <a:ext cx="11226347" cy="8256012"/>
+          </a:xfrm>
+          <a:prstGeom prst="rect">
+            <a:avLst/>
+          </a:prstGeom>
+        </p:spPr>
+        <p:txBody>
+          <a:bodyPr/>
+          <a:lstStyle/>
+          <a:p>
+            <a:pPr marL="0" indent="0" defTabSz="2243271">
+              <a:spcBef>
+                <a:spcPts val="4100"/>
+              </a:spcBef>
+              <a:buSzTx/>
+              <a:buNone/>
+              <a:defRPr sz="4416"/>
+            </a:pPr>
+            <a:r>
+              <a:t>Shortest Distance:</a:t>
+            </a:r>
+          </a:p>
+          <a:p>
+            <a:pPr marL="0" indent="0" defTabSz="2243271">
+              <a:spcBef>
+                <a:spcPts val="4100"/>
+              </a:spcBef>
+              <a:buSzTx/>
+              <a:buNone/>
+              <a:defRPr sz="4416"/>
+            </a:pPr>
+            <a:r>
+              <a:t>14-&gt;228-&gt;40-&gt;65-&gt;83-&gt;95-&gt;135-&gt;101</a:t>
+            </a:r>
+          </a:p>
+          <a:p>
+            <a:pPr marL="0" indent="0" defTabSz="2243271">
+              <a:spcBef>
+                <a:spcPts val="4100"/>
+              </a:spcBef>
+              <a:buSzTx/>
+              <a:buNone/>
+              <a:defRPr sz="4416"/>
+            </a:pPr>
+          </a:p>
+          <a:p>
+            <a:pPr marL="0" indent="0" defTabSz="2243271">
+              <a:spcBef>
+                <a:spcPts val="4100"/>
+              </a:spcBef>
+              <a:buSzTx/>
+              <a:buNone/>
+              <a:defRPr sz="4416"/>
+            </a:pPr>
+            <a:r>
+              <a:t>Bay Ridge-&gt;Sunset Park West-&gt;Carroll Gardens-&gt;Downtown Brooklyn/MetroTech-&gt;Elmhurst/Maspeth-&gt;Forest Hills-&gt;Kew Gardens Hills-&gt;Glen Oaks</a:t>
+            </a:r>
+          </a:p>
+          <a:p>
+            <a:pPr marL="0" indent="0" defTabSz="2243271">
+              <a:spcBef>
+                <a:spcPts val="4100"/>
+              </a:spcBef>
+              <a:buSzTx/>
+              <a:buNone/>
+              <a:defRPr sz="4416"/>
+            </a:pPr>
+          </a:p>
+          <a:p>
+            <a:pPr marL="0" indent="0" defTabSz="2243271">
+              <a:spcBef>
+                <a:spcPts val="4100"/>
+              </a:spcBef>
+              <a:buSzTx/>
+              <a:buNone/>
+              <a:defRPr sz="4416"/>
+            </a:pPr>
+            <a:r>
+              <a:t>Total Distance = 25.25miles</a:t>
+            </a:r>
+          </a:p>
+        </p:txBody>
+      </p:sp>
+      <p:pic>
+        <p:nvPicPr>
+          <p:cNvPr id="230" name="Image" descr="Image"/>
           <p:cNvPicPr>
             <a:picLocks noChangeAspect="1"/>
           </p:cNvPicPr>
@@ -5121,8 +5582,342 @@
         </p:blipFill>
         <p:spPr>
           <a:xfrm>
-            <a:off x="12725619" y="4166050"/>
-            <a:ext cx="6426201" cy="4914901"/>
+            <a:off x="12372015" y="3694109"/>
+            <a:ext cx="12129498" cy="7849571"/>
+          </a:xfrm>
+          <a:prstGeom prst="rect">
+            <a:avLst/>
+          </a:prstGeom>
+          <a:ln w="12700">
+            <a:miter lim="400000"/>
+          </a:ln>
+        </p:spPr>
+      </p:pic>
+    </p:spTree>
+  </p:cSld>
+  <p:clrMapOvr>
+    <a:masterClrMapping/>
+  </p:clrMapOvr>
+  <p:transition xmlns:p14="http://schemas.microsoft.com/office/powerpoint/2010/main" spd="med" advClick="1"/>
+</p:sld>
+</file>
+
+<file path=ppt/slides/slide18.xml><?xml version="1.0" encoding="utf-8"?>
+<p:sld xmlns:a="http://schemas.openxmlformats.org/drawingml/2006/main" xmlns:r="http://schemas.openxmlformats.org/officeDocument/2006/relationships" xmlns:p="http://schemas.openxmlformats.org/presentationml/2006/main" xmlns:m="http://schemas.openxmlformats.org/officeDocument/2006/math" xmlns:a14="http://schemas.microsoft.com/office/drawing/2010/main" showMasterSp="1" showMasterPhAnim="1">
+  <p:cSld>
+    <p:spTree>
+      <p:nvGrpSpPr>
+        <p:cNvPr id="1" name=""/>
+        <p:cNvGrpSpPr/>
+        <p:nvPr/>
+      </p:nvGrpSpPr>
+      <p:grpSpPr>
+        <a:xfrm>
+          <a:off x="0" y="0"/>
+          <a:ext cx="0" cy="0"/>
+          <a:chOff x="0" y="0"/>
+          <a:chExt cx="0" cy="0"/>
+        </a:xfrm>
+      </p:grpSpPr>
+      <p:sp>
+        <p:nvSpPr>
+          <p:cNvPr id="232" name="Shortest path - Fare Amount"/>
+          <p:cNvSpPr txBox="1"/>
+          <p:nvPr>
+            <p:ph type="title"/>
+          </p:nvPr>
+        </p:nvSpPr>
+        <p:spPr>
+          <a:prstGeom prst="rect">
+            <a:avLst/>
+          </a:prstGeom>
+        </p:spPr>
+        <p:txBody>
+          <a:bodyPr/>
+          <a:lstStyle/>
+          <a:p>
+            <a:pPr/>
+            <a:r>
+              <a:t>Shortest path - Fare Amount</a:t>
+            </a:r>
+          </a:p>
+        </p:txBody>
+      </p:sp>
+      <p:sp>
+        <p:nvSpPr>
+          <p:cNvPr id="233" name="Slide Subtitle"/>
+          <p:cNvSpPr txBox="1"/>
+          <p:nvPr>
+            <p:ph type="body" idx="21"/>
+          </p:nvPr>
+        </p:nvSpPr>
+        <p:spPr>
+          <a:prstGeom prst="rect">
+            <a:avLst/>
+          </a:prstGeom>
+        </p:spPr>
+        <p:txBody>
+          <a:bodyPr/>
+          <a:lstStyle/>
+          <a:p>
+            <a:pPr/>
+          </a:p>
+        </p:txBody>
+      </p:sp>
+      <p:sp>
+        <p:nvSpPr>
+          <p:cNvPr id="234" name="Shortest Distance:…"/>
+          <p:cNvSpPr txBox="1"/>
+          <p:nvPr>
+            <p:ph type="body" sz="half" idx="1"/>
+          </p:nvPr>
+        </p:nvSpPr>
+        <p:spPr>
+          <a:xfrm>
+            <a:off x="1290679" y="3490888"/>
+            <a:ext cx="11226347" cy="8256012"/>
+          </a:xfrm>
+          <a:prstGeom prst="rect">
+            <a:avLst/>
+          </a:prstGeom>
+        </p:spPr>
+        <p:txBody>
+          <a:bodyPr/>
+          <a:lstStyle/>
+          <a:p>
+            <a:pPr marL="0" indent="0">
+              <a:buSzTx/>
+              <a:buNone/>
+            </a:pPr>
+            <a:r>
+              <a:t>Shortest Distance:</a:t>
+            </a:r>
+          </a:p>
+          <a:p>
+            <a:pPr marL="0" indent="0">
+              <a:buSzTx/>
+              <a:buNone/>
+            </a:pPr>
+            <a:r>
+              <a:t>14-&gt;181-&gt;138-&gt;101</a:t>
+            </a:r>
+          </a:p>
+          <a:p>
+            <a:pPr marL="0" indent="0">
+              <a:buSzTx/>
+              <a:buNone/>
+            </a:pPr>
+          </a:p>
+          <a:p>
+            <a:pPr marL="0" indent="0">
+              <a:buSzTx/>
+              <a:buNone/>
+            </a:pPr>
+            <a:r>
+              <a:t>Bay Ridge-&gt;Park Slope-&gt;LaGuardia Airport-&gt;Glen Oaks</a:t>
+            </a:r>
+          </a:p>
+          <a:p>
+            <a:pPr marL="0" indent="0">
+              <a:buSzTx/>
+              <a:buNone/>
+            </a:pPr>
+            <a:r>
+              <a:t>Total cost = $95.71</a:t>
+            </a:r>
+          </a:p>
+        </p:txBody>
+      </p:sp>
+      <p:pic>
+        <p:nvPicPr>
+          <p:cNvPr id="235" name="Image" descr="Image"/>
+          <p:cNvPicPr>
+            <a:picLocks noChangeAspect="1"/>
+          </p:cNvPicPr>
+          <p:nvPr/>
+        </p:nvPicPr>
+        <p:blipFill>
+          <a:blip r:embed="rId2">
+            <a:extLst/>
+          </a:blip>
+          <a:stretch>
+            <a:fillRect/>
+          </a:stretch>
+        </p:blipFill>
+        <p:spPr>
+          <a:xfrm>
+            <a:off x="10748319" y="3709075"/>
+            <a:ext cx="13003512" cy="9334870"/>
+          </a:xfrm>
+          <a:prstGeom prst="rect">
+            <a:avLst/>
+          </a:prstGeom>
+          <a:ln w="12700">
+            <a:miter lim="400000"/>
+          </a:ln>
+        </p:spPr>
+      </p:pic>
+    </p:spTree>
+  </p:cSld>
+  <p:clrMapOvr>
+    <a:masterClrMapping/>
+  </p:clrMapOvr>
+  <p:transition xmlns:p14="http://schemas.microsoft.com/office/powerpoint/2010/main" spd="med" advClick="1"/>
+</p:sld>
+</file>
+
+<file path=ppt/slides/slide19.xml><?xml version="1.0" encoding="utf-8"?>
+<p:sld xmlns:a="http://schemas.openxmlformats.org/drawingml/2006/main" xmlns:r="http://schemas.openxmlformats.org/officeDocument/2006/relationships" xmlns:p="http://schemas.openxmlformats.org/presentationml/2006/main" xmlns:m="http://schemas.openxmlformats.org/officeDocument/2006/math" xmlns:a14="http://schemas.microsoft.com/office/drawing/2010/main" showMasterSp="1" showMasterPhAnim="1">
+  <p:cSld>
+    <p:spTree>
+      <p:nvGrpSpPr>
+        <p:cNvPr id="1" name=""/>
+        <p:cNvGrpSpPr/>
+        <p:nvPr/>
+      </p:nvGrpSpPr>
+      <p:grpSpPr>
+        <a:xfrm>
+          <a:off x="0" y="0"/>
+          <a:ext cx="0" cy="0"/>
+          <a:chOff x="0" y="0"/>
+          <a:chExt cx="0" cy="0"/>
+        </a:xfrm>
+      </p:grpSpPr>
+      <p:sp>
+        <p:nvSpPr>
+          <p:cNvPr id="237" name="Shortest path - Time"/>
+          <p:cNvSpPr txBox="1"/>
+          <p:nvPr>
+            <p:ph type="title"/>
+          </p:nvPr>
+        </p:nvSpPr>
+        <p:spPr>
+          <a:prstGeom prst="rect">
+            <a:avLst/>
+          </a:prstGeom>
+        </p:spPr>
+        <p:txBody>
+          <a:bodyPr/>
+          <a:lstStyle/>
+          <a:p>
+            <a:pPr/>
+            <a:r>
+              <a:t>Shortest path - Time</a:t>
+            </a:r>
+          </a:p>
+        </p:txBody>
+      </p:sp>
+      <p:sp>
+        <p:nvSpPr>
+          <p:cNvPr id="238" name="Slide Subtitle"/>
+          <p:cNvSpPr txBox="1"/>
+          <p:nvPr>
+            <p:ph type="body" idx="21"/>
+          </p:nvPr>
+        </p:nvSpPr>
+        <p:spPr>
+          <a:prstGeom prst="rect">
+            <a:avLst/>
+          </a:prstGeom>
+        </p:spPr>
+        <p:txBody>
+          <a:bodyPr/>
+          <a:lstStyle/>
+          <a:p>
+            <a:pPr/>
+          </a:p>
+        </p:txBody>
+      </p:sp>
+      <p:sp>
+        <p:nvSpPr>
+          <p:cNvPr id="239" name="Shortest Distance:…"/>
+          <p:cNvSpPr txBox="1"/>
+          <p:nvPr>
+            <p:ph type="body" sz="half" idx="1"/>
+          </p:nvPr>
+        </p:nvSpPr>
+        <p:spPr>
+          <a:xfrm>
+            <a:off x="1290679" y="3490888"/>
+            <a:ext cx="11226347" cy="8256012"/>
+          </a:xfrm>
+          <a:prstGeom prst="rect">
+            <a:avLst/>
+          </a:prstGeom>
+        </p:spPr>
+        <p:txBody>
+          <a:bodyPr/>
+          <a:lstStyle/>
+          <a:p>
+            <a:pPr marL="0" indent="0">
+              <a:buSzTx/>
+              <a:buNone/>
+            </a:pPr>
+            <a:r>
+              <a:t>Shortest Distance:</a:t>
+            </a:r>
+          </a:p>
+          <a:p>
+            <a:pPr marL="0" indent="0">
+              <a:buSzTx/>
+              <a:buNone/>
+            </a:pPr>
+            <a:r>
+              <a:t>14-&gt;22-&gt;132-&gt;101</a:t>
+            </a:r>
+          </a:p>
+          <a:p>
+            <a:pPr marL="0" indent="0">
+              <a:buSzTx/>
+              <a:buNone/>
+            </a:pPr>
+          </a:p>
+          <a:p>
+            <a:pPr marL="0" indent="0">
+              <a:buSzTx/>
+              <a:buNone/>
+            </a:pPr>
+            <a:r>
+              <a:t>Bay Ridge-&gt;Bensonhurst West-&gt;JFK Airport-&gt; Glen oaks</a:t>
+            </a:r>
+          </a:p>
+          <a:p>
+            <a:pPr marL="0" indent="0">
+              <a:buSzTx/>
+              <a:buNone/>
+            </a:pPr>
+          </a:p>
+          <a:p>
+            <a:pPr marL="0" indent="0">
+              <a:buSzTx/>
+              <a:buNone/>
+            </a:pPr>
+            <a:r>
+              <a:t>Total time = 76.35mins</a:t>
+            </a:r>
+          </a:p>
+        </p:txBody>
+      </p:sp>
+      <p:pic>
+        <p:nvPicPr>
+          <p:cNvPr id="240" name="Image" descr="Image"/>
+          <p:cNvPicPr>
+            <a:picLocks noChangeAspect="1"/>
+          </p:cNvPicPr>
+          <p:nvPr/>
+        </p:nvPicPr>
+        <p:blipFill>
+          <a:blip r:embed="rId2">
+            <a:extLst/>
+          </a:blip>
+          <a:stretch>
+            <a:fillRect/>
+          </a:stretch>
+        </p:blipFill>
+        <p:spPr>
+          <a:xfrm>
+            <a:off x="11443403" y="3334329"/>
+            <a:ext cx="11732030" cy="7635408"/>
           </a:xfrm>
           <a:prstGeom prst="rect">
             <a:avLst/>
@@ -5266,6 +6061,817 @@
 </p:sld>
 </file>
 
+<file path=ppt/slides/slide20.xml><?xml version="1.0" encoding="utf-8"?>
+<p:sld xmlns:a="http://schemas.openxmlformats.org/drawingml/2006/main" xmlns:r="http://schemas.openxmlformats.org/officeDocument/2006/relationships" xmlns:p="http://schemas.openxmlformats.org/presentationml/2006/main" xmlns:m="http://schemas.openxmlformats.org/officeDocument/2006/math" xmlns:a14="http://schemas.microsoft.com/office/drawing/2010/main" showMasterSp="1" showMasterPhAnim="1">
+  <p:cSld>
+    <p:spTree>
+      <p:nvGrpSpPr>
+        <p:cNvPr id="1" name=""/>
+        <p:cNvGrpSpPr/>
+        <p:nvPr/>
+      </p:nvGrpSpPr>
+      <p:grpSpPr>
+        <a:xfrm>
+          <a:off x="0" y="0"/>
+          <a:ext cx="0" cy="0"/>
+          <a:chOff x="0" y="0"/>
+          <a:chExt cx="0" cy="0"/>
+        </a:xfrm>
+      </p:grpSpPr>
+      <p:sp>
+        <p:nvSpPr>
+          <p:cNvPr id="242" name="Shortest path - Comparison"/>
+          <p:cNvSpPr txBox="1"/>
+          <p:nvPr>
+            <p:ph type="title"/>
+          </p:nvPr>
+        </p:nvSpPr>
+        <p:spPr>
+          <a:prstGeom prst="rect">
+            <a:avLst/>
+          </a:prstGeom>
+        </p:spPr>
+        <p:txBody>
+          <a:bodyPr/>
+          <a:lstStyle/>
+          <a:p>
+            <a:pPr/>
+            <a:r>
+              <a:t>Shortest path - Comparison </a:t>
+            </a:r>
+          </a:p>
+        </p:txBody>
+      </p:sp>
+      <p:sp>
+        <p:nvSpPr>
+          <p:cNvPr id="243" name="Slide Subtitle"/>
+          <p:cNvSpPr txBox="1"/>
+          <p:nvPr>
+            <p:ph type="body" idx="21"/>
+          </p:nvPr>
+        </p:nvSpPr>
+        <p:spPr>
+          <a:prstGeom prst="rect">
+            <a:avLst/>
+          </a:prstGeom>
+        </p:spPr>
+        <p:txBody>
+          <a:bodyPr/>
+          <a:lstStyle/>
+          <a:p>
+            <a:pPr/>
+          </a:p>
+        </p:txBody>
+      </p:sp>
+      <p:graphicFrame>
+        <p:nvGraphicFramePr>
+          <p:cNvPr id="244" name="Table"/>
+          <p:cNvGraphicFramePr/>
+          <p:nvPr/>
+        </p:nvGraphicFramePr>
+        <p:xfrm>
+          <a:off x="2388375" y="4214158"/>
+          <a:ext cx="19619950" cy="8337403"/>
+        </p:xfrm>
+        <a:graphic xmlns:a="http://schemas.openxmlformats.org/drawingml/2006/main">
+          <a:graphicData uri="http://schemas.openxmlformats.org/drawingml/2006/table">
+            <a:tbl>
+              <a:tblPr firstCol="0" firstRow="0" lastCol="0" lastRow="0" bandCol="0" bandRow="0" rtl="0">
+                <a:tableStyleId>{4C3C2611-4C71-4FC5-86AE-919BDF0F9419}</a:tableStyleId>
+              </a:tblPr>
+              <a:tblGrid>
+                <a:gridCol w="4901812"/>
+                <a:gridCol w="4901812"/>
+                <a:gridCol w="4901812"/>
+                <a:gridCol w="4901812"/>
+              </a:tblGrid>
+              <a:tr h="2081175">
+                <a:tc>
+                  <a:txBody>
+                    <a:bodyPr/>
+                    <a:lstStyle/>
+                    <a:p>
+                      <a:pPr defTabSz="914400"/>
+                      <a:r>
+                        <a:rPr b="1" sz="3200"/>
+                        <a:t>Shortest Path</a:t>
+                      </a:r>
+                    </a:p>
+                  </a:txBody>
+                  <a:tcPr marL="50800" marR="50800" marT="50800" marB="50800" anchor="ctr" anchorCtr="0" horzOverflow="overflow"/>
+                </a:tc>
+                <a:tc>
+                  <a:txBody>
+                    <a:bodyPr/>
+                    <a:lstStyle/>
+                    <a:p>
+                      <a:pPr defTabSz="914400"/>
+                      <a:r>
+                        <a:rPr b="1" sz="3200"/>
+                        <a:t>Distance(miles)</a:t>
+                      </a:r>
+                    </a:p>
+                  </a:txBody>
+                  <a:tcPr marL="50800" marR="50800" marT="50800" marB="50800" anchor="ctr" anchorCtr="0" horzOverflow="overflow"/>
+                </a:tc>
+                <a:tc>
+                  <a:txBody>
+                    <a:bodyPr/>
+                    <a:lstStyle/>
+                    <a:p>
+                      <a:pPr defTabSz="914400"/>
+                      <a:r>
+                        <a:rPr b="1" sz="3200"/>
+                        <a:t>Amount($)</a:t>
+                      </a:r>
+                    </a:p>
+                  </a:txBody>
+                  <a:tcPr marL="50800" marR="50800" marT="50800" marB="50800" anchor="ctr" anchorCtr="0" horzOverflow="overflow"/>
+                </a:tc>
+                <a:tc>
+                  <a:txBody>
+                    <a:bodyPr/>
+                    <a:lstStyle/>
+                    <a:p>
+                      <a:pPr defTabSz="914400"/>
+                      <a:r>
+                        <a:rPr b="1" sz="3200"/>
+                        <a:t>Time(Mins)</a:t>
+                      </a:r>
+                    </a:p>
+                  </a:txBody>
+                  <a:tcPr marL="50800" marR="50800" marT="50800" marB="50800" anchor="ctr" anchorCtr="0" horzOverflow="overflow"/>
+                </a:tc>
+              </a:tr>
+              <a:tr h="2081175">
+                <a:tc>
+                  <a:txBody>
+                    <a:bodyPr/>
+                    <a:lstStyle/>
+                    <a:p>
+                      <a:pPr defTabSz="914400"/>
+                      <a:r>
+                        <a:rPr b="1" sz="3200"/>
+                        <a:t>Distance</a:t>
+                      </a:r>
+                    </a:p>
+                  </a:txBody>
+                  <a:tcPr marL="50800" marR="50800" marT="50800" marB="50800" anchor="ctr" anchorCtr="0" horzOverflow="overflow"/>
+                </a:tc>
+                <a:tc>
+                  <a:txBody>
+                    <a:bodyPr/>
+                    <a:lstStyle/>
+                    <a:p>
+                      <a:pPr defTabSz="2438338">
+                        <a:lnSpc>
+                          <a:spcPct val="90000"/>
+                        </a:lnSpc>
+                        <a:spcBef>
+                          <a:spcPts val="4500"/>
+                        </a:spcBef>
+                      </a:pPr>
+                      <a:r>
+                        <a:rPr sz="3200"/>
+                        <a:t>25.2547059866962</a:t>
+                      </a:r>
+                    </a:p>
+                  </a:txBody>
+                  <a:tcPr marL="50800" marR="50800" marT="50800" marB="50800" anchor="ctr" anchorCtr="0" horzOverflow="overflow">
+                    <a:solidFill>
+                      <a:schemeClr val="accent3"/>
+                    </a:solidFill>
+                  </a:tcPr>
+                </a:tc>
+                <a:tc>
+                  <a:txBody>
+                    <a:bodyPr/>
+                    <a:lstStyle/>
+                    <a:p>
+                      <a:pPr defTabSz="2438338">
+                        <a:lnSpc>
+                          <a:spcPct val="90000"/>
+                        </a:lnSpc>
+                        <a:spcBef>
+                          <a:spcPts val="4500"/>
+                        </a:spcBef>
+                      </a:pPr>
+                      <a:r>
+                        <a:rPr sz="3200"/>
+                        <a:t>104.695304262134</a:t>
+                      </a:r>
+                    </a:p>
+                  </a:txBody>
+                  <a:tcPr marL="50800" marR="50800" marT="50800" marB="50800" anchor="ctr" anchorCtr="0" horzOverflow="overflow"/>
+                </a:tc>
+                <a:tc>
+                  <a:txBody>
+                    <a:bodyPr/>
+                    <a:lstStyle/>
+                    <a:p>
+                      <a:pPr defTabSz="2438338">
+                        <a:lnSpc>
+                          <a:spcPct val="90000"/>
+                        </a:lnSpc>
+                        <a:spcBef>
+                          <a:spcPts val="4500"/>
+                        </a:spcBef>
+                      </a:pPr>
+                      <a:r>
+                        <a:rPr sz="3200"/>
+                        <a:t>95.4416587624209</a:t>
+                      </a:r>
+                    </a:p>
+                  </a:txBody>
+                  <a:tcPr marL="50800" marR="50800" marT="50800" marB="50800" anchor="ctr" anchorCtr="0" horzOverflow="overflow"/>
+                </a:tc>
+              </a:tr>
+              <a:tr h="2081175">
+                <a:tc>
+                  <a:txBody>
+                    <a:bodyPr/>
+                    <a:lstStyle/>
+                    <a:p>
+                      <a:pPr defTabSz="914400"/>
+                      <a:r>
+                        <a:rPr b="1" sz="3200"/>
+                        <a:t>Amount </a:t>
+                      </a:r>
+                    </a:p>
+                  </a:txBody>
+                  <a:tcPr marL="50800" marR="50800" marT="50800" marB="50800" anchor="ctr" anchorCtr="0" horzOverflow="overflow"/>
+                </a:tc>
+                <a:tc>
+                  <a:txBody>
+                    <a:bodyPr/>
+                    <a:lstStyle/>
+                    <a:p>
+                      <a:pPr defTabSz="2438338">
+                        <a:lnSpc>
+                          <a:spcPct val="90000"/>
+                        </a:lnSpc>
+                        <a:spcBef>
+                          <a:spcPts val="4500"/>
+                        </a:spcBef>
+                      </a:pPr>
+                      <a:r>
+                        <a:rPr sz="3200"/>
+                        <a:t>29.7025509926835</a:t>
+                      </a:r>
+                    </a:p>
+                  </a:txBody>
+                  <a:tcPr marL="50800" marR="50800" marT="50800" marB="50800" anchor="ctr" anchorCtr="0" horzOverflow="overflow"/>
+                </a:tc>
+                <a:tc>
+                  <a:txBody>
+                    <a:bodyPr/>
+                    <a:lstStyle/>
+                    <a:p>
+                      <a:pPr defTabSz="2438338">
+                        <a:lnSpc>
+                          <a:spcPct val="90000"/>
+                        </a:lnSpc>
+                        <a:spcBef>
+                          <a:spcPts val="4500"/>
+                        </a:spcBef>
+                      </a:pPr>
+                      <a:r>
+                        <a:rPr sz="3200"/>
+                        <a:t>95.7079167232713</a:t>
+                      </a:r>
+                    </a:p>
+                  </a:txBody>
+                  <a:tcPr marL="50800" marR="50800" marT="50800" marB="50800" anchor="ctr" anchorCtr="0" horzOverflow="overflow">
+                    <a:solidFill>
+                      <a:schemeClr val="accent3"/>
+                    </a:solidFill>
+                  </a:tcPr>
+                </a:tc>
+                <a:tc>
+                  <a:txBody>
+                    <a:bodyPr/>
+                    <a:lstStyle/>
+                    <a:p>
+                      <a:pPr defTabSz="2438338">
+                        <a:lnSpc>
+                          <a:spcPct val="90000"/>
+                        </a:lnSpc>
+                        <a:spcBef>
+                          <a:spcPts val="4500"/>
+                        </a:spcBef>
+                      </a:pPr>
+                      <a:r>
+                        <a:rPr sz="3200"/>
+                        <a:t>80.4518406207748</a:t>
+                      </a:r>
+                    </a:p>
+                  </a:txBody>
+                  <a:tcPr marL="50800" marR="50800" marT="50800" marB="50800" anchor="ctr" anchorCtr="0" horzOverflow="overflow"/>
+                </a:tc>
+              </a:tr>
+              <a:tr h="2081175">
+                <a:tc>
+                  <a:txBody>
+                    <a:bodyPr/>
+                    <a:lstStyle/>
+                    <a:p>
+                      <a:pPr defTabSz="914400"/>
+                      <a:r>
+                        <a:rPr b="1" sz="3200"/>
+                        <a:t>Time</a:t>
+                      </a:r>
+                    </a:p>
+                  </a:txBody>
+                  <a:tcPr marL="50800" marR="50800" marT="50800" marB="50800" anchor="ctr" anchorCtr="0" horzOverflow="overflow"/>
+                </a:tc>
+                <a:tc>
+                  <a:txBody>
+                    <a:bodyPr/>
+                    <a:lstStyle/>
+                    <a:p>
+                      <a:pPr defTabSz="2438338">
+                        <a:lnSpc>
+                          <a:spcPct val="90000"/>
+                        </a:lnSpc>
+                        <a:spcBef>
+                          <a:spcPts val="4500"/>
+                        </a:spcBef>
+                      </a:pPr>
+                      <a:r>
+                        <a:rPr sz="3200"/>
+                        <a:t>33.9879343395965</a:t>
+                      </a:r>
+                    </a:p>
+                  </a:txBody>
+                  <a:tcPr marL="50800" marR="50800" marT="50800" marB="50800" anchor="ctr" anchorCtr="0" horzOverflow="overflow"/>
+                </a:tc>
+                <a:tc>
+                  <a:txBody>
+                    <a:bodyPr/>
+                    <a:lstStyle/>
+                    <a:p>
+                      <a:pPr defTabSz="2438338">
+                        <a:lnSpc>
+                          <a:spcPct val="90000"/>
+                        </a:lnSpc>
+                        <a:spcBef>
+                          <a:spcPts val="4500"/>
+                        </a:spcBef>
+                      </a:pPr>
+                      <a:r>
+                        <a:rPr sz="3200"/>
+                        <a:t>105.401131182647</a:t>
+                      </a:r>
+                    </a:p>
+                  </a:txBody>
+                  <a:tcPr marL="50800" marR="50800" marT="50800" marB="50800" anchor="ctr" anchorCtr="0" horzOverflow="overflow"/>
+                </a:tc>
+                <a:tc>
+                  <a:txBody>
+                    <a:bodyPr/>
+                    <a:lstStyle/>
+                    <a:p>
+                      <a:pPr defTabSz="2438338">
+                        <a:lnSpc>
+                          <a:spcPct val="90000"/>
+                        </a:lnSpc>
+                        <a:spcBef>
+                          <a:spcPts val="4500"/>
+                        </a:spcBef>
+                      </a:pPr>
+                      <a:r>
+                        <a:rPr sz="3200"/>
+                        <a:t>76.3562448190108</a:t>
+                      </a:r>
+                    </a:p>
+                  </a:txBody>
+                  <a:tcPr marL="50800" marR="50800" marT="50800" marB="50800" anchor="ctr" anchorCtr="0" horzOverflow="overflow">
+                    <a:solidFill>
+                      <a:schemeClr val="accent3"/>
+                    </a:solidFill>
+                  </a:tcPr>
+                </a:tc>
+              </a:tr>
+            </a:tbl>
+          </a:graphicData>
+        </a:graphic>
+      </p:graphicFrame>
+    </p:spTree>
+  </p:cSld>
+  <p:clrMapOvr>
+    <a:masterClrMapping/>
+  </p:clrMapOvr>
+  <p:transition xmlns:p14="http://schemas.microsoft.com/office/powerpoint/2010/main" spd="med" advClick="1"/>
+</p:sld>
+</file>
+
+<file path=ppt/slides/slide21.xml><?xml version="1.0" encoding="utf-8"?>
+<p:sld xmlns:a="http://schemas.openxmlformats.org/drawingml/2006/main" xmlns:r="http://schemas.openxmlformats.org/officeDocument/2006/relationships" xmlns:p="http://schemas.openxmlformats.org/presentationml/2006/main" xmlns:m="http://schemas.openxmlformats.org/officeDocument/2006/math" xmlns:a14="http://schemas.microsoft.com/office/drawing/2010/main" showMasterSp="1" showMasterPhAnim="1">
+  <p:cSld>
+    <p:spTree>
+      <p:nvGrpSpPr>
+        <p:cNvPr id="1" name=""/>
+        <p:cNvGrpSpPr/>
+        <p:nvPr/>
+      </p:nvGrpSpPr>
+      <p:grpSpPr>
+        <a:xfrm>
+          <a:off x="0" y="0"/>
+          <a:ext cx="0" cy="0"/>
+          <a:chOff x="0" y="0"/>
+          <a:chExt cx="0" cy="0"/>
+        </a:xfrm>
+      </p:grpSpPr>
+      <p:sp>
+        <p:nvSpPr>
+          <p:cNvPr id="246" name="Python Alternatives to NetworkX"/>
+          <p:cNvSpPr txBox="1"/>
+          <p:nvPr>
+            <p:ph type="title"/>
+          </p:nvPr>
+        </p:nvSpPr>
+        <p:spPr>
+          <a:prstGeom prst="rect">
+            <a:avLst/>
+          </a:prstGeom>
+        </p:spPr>
+        <p:txBody>
+          <a:bodyPr/>
+          <a:lstStyle/>
+          <a:p>
+            <a:pPr/>
+            <a:r>
+              <a:t>Python Alternatives to NetworkX </a:t>
+            </a:r>
+          </a:p>
+        </p:txBody>
+      </p:sp>
+      <p:sp>
+        <p:nvSpPr>
+          <p:cNvPr id="247" name="Slide Subtitle"/>
+          <p:cNvSpPr txBox="1"/>
+          <p:nvPr>
+            <p:ph type="body" idx="21"/>
+          </p:nvPr>
+        </p:nvSpPr>
+        <p:spPr>
+          <a:prstGeom prst="rect">
+            <a:avLst/>
+          </a:prstGeom>
+        </p:spPr>
+        <p:txBody>
+          <a:bodyPr/>
+          <a:lstStyle/>
+          <a:p>
+            <a:pPr/>
+          </a:p>
+        </p:txBody>
+      </p:sp>
+      <p:sp>
+        <p:nvSpPr>
+          <p:cNvPr id="248" name="Alternatives to NetworkX: iGraph and Graph-tool both implemented in C/C++"/>
+          <p:cNvSpPr txBox="1"/>
+          <p:nvPr>
+            <p:ph type="body" idx="1"/>
+          </p:nvPr>
+        </p:nvSpPr>
+        <p:spPr>
+          <a:xfrm>
+            <a:off x="1206500" y="3631188"/>
+            <a:ext cx="21971000" cy="8256011"/>
+          </a:xfrm>
+          <a:prstGeom prst="rect">
+            <a:avLst/>
+          </a:prstGeom>
+        </p:spPr>
+        <p:txBody>
+          <a:bodyPr/>
+          <a:lstStyle>
+            <a:lvl1pPr marL="0" indent="0">
+              <a:buSzTx/>
+              <a:buNone/>
+            </a:lvl1pPr>
+          </a:lstStyle>
+          <a:p>
+            <a:pPr/>
+            <a:r>
+              <a:t>Alternatives to NetworkX: iGraph and Graph-tool both implemented in C/C++</a:t>
+            </a:r>
+          </a:p>
+        </p:txBody>
+      </p:sp>
+      <p:sp>
+        <p:nvSpPr>
+          <p:cNvPr id="249" name="https://graph-tool.skewed.de/performance"/>
+          <p:cNvSpPr txBox="1"/>
+          <p:nvPr/>
+        </p:nvSpPr>
+        <p:spPr>
+          <a:xfrm>
+            <a:off x="610393" y="12337645"/>
+            <a:ext cx="15981679" cy="461367"/>
+          </a:xfrm>
+          <a:prstGeom prst="rect">
+            <a:avLst/>
+          </a:prstGeom>
+          <a:ln w="12700">
+            <a:miter lim="400000"/>
+          </a:ln>
+          <a:extLst>
+            <a:ext uri="{C572A759-6A51-4108-AA02-DFA0A04FC94B}">
+              <ma14:wrappingTextBoxFlag xmlns:ma14="http://schemas.microsoft.com/office/mac/drawingml/2011/main" val="1"/>
+            </a:ext>
+          </a:extLst>
+        </p:spPr>
+        <p:txBody>
+          <a:bodyPr lIns="50800" tIns="50800" rIns="50800" bIns="50800" anchor="ctr">
+            <a:spAutoFit/>
+          </a:bodyPr>
+          <a:lstStyle/>
+          <a:p>
+            <a:pPr/>
+            <a:r>
+              <a:t>https://graph-tool.skewed.de/performance</a:t>
+            </a:r>
+          </a:p>
+        </p:txBody>
+      </p:sp>
+      <p:pic>
+        <p:nvPicPr>
+          <p:cNvPr id="250" name="Image" descr="Image"/>
+          <p:cNvPicPr>
+            <a:picLocks noChangeAspect="1"/>
+          </p:cNvPicPr>
+          <p:nvPr/>
+        </p:nvPicPr>
+        <p:blipFill>
+          <a:blip r:embed="rId2">
+            <a:extLst/>
+          </a:blip>
+          <a:stretch>
+            <a:fillRect/>
+          </a:stretch>
+        </p:blipFill>
+        <p:spPr>
+          <a:xfrm>
+            <a:off x="1555588" y="4957175"/>
+            <a:ext cx="21272824" cy="5971655"/>
+          </a:xfrm>
+          <a:prstGeom prst="rect">
+            <a:avLst/>
+          </a:prstGeom>
+          <a:ln w="12700">
+            <a:miter lim="400000"/>
+          </a:ln>
+        </p:spPr>
+      </p:pic>
+    </p:spTree>
+  </p:cSld>
+  <p:clrMapOvr>
+    <a:masterClrMapping/>
+  </p:clrMapOvr>
+  <p:transition xmlns:p14="http://schemas.microsoft.com/office/powerpoint/2010/main" spd="med" advClick="1"/>
+</p:sld>
+</file>
+
+<file path=ppt/slides/slide22.xml><?xml version="1.0" encoding="utf-8"?>
+<p:sld xmlns:a="http://schemas.openxmlformats.org/drawingml/2006/main" xmlns:r="http://schemas.openxmlformats.org/officeDocument/2006/relationships" xmlns:p="http://schemas.openxmlformats.org/presentationml/2006/main" xmlns:m="http://schemas.openxmlformats.org/officeDocument/2006/math" xmlns:a14="http://schemas.microsoft.com/office/drawing/2010/main" showMasterSp="1" showMasterPhAnim="1">
+  <p:cSld>
+    <p:spTree>
+      <p:nvGrpSpPr>
+        <p:cNvPr id="1" name=""/>
+        <p:cNvGrpSpPr/>
+        <p:nvPr/>
+      </p:nvGrpSpPr>
+      <p:grpSpPr>
+        <a:xfrm>
+          <a:off x="0" y="0"/>
+          <a:ext cx="0" cy="0"/>
+          <a:chOff x="0" y="0"/>
+          <a:chExt cx="0" cy="0"/>
+        </a:xfrm>
+      </p:grpSpPr>
+      <p:sp>
+        <p:nvSpPr>
+          <p:cNvPr id="252" name="Network Use Cases in Barclays?"/>
+          <p:cNvSpPr txBox="1"/>
+          <p:nvPr>
+            <p:ph type="title"/>
+          </p:nvPr>
+        </p:nvSpPr>
+        <p:spPr>
+          <a:prstGeom prst="rect">
+            <a:avLst/>
+          </a:prstGeom>
+        </p:spPr>
+        <p:txBody>
+          <a:bodyPr/>
+          <a:lstStyle/>
+          <a:p>
+            <a:pPr/>
+            <a:r>
+              <a:t>Network Use Cases in Barclays?</a:t>
+            </a:r>
+          </a:p>
+        </p:txBody>
+      </p:sp>
+      <p:sp>
+        <p:nvSpPr>
+          <p:cNvPr id="253" name="Slide Subtitle"/>
+          <p:cNvSpPr txBox="1"/>
+          <p:nvPr>
+            <p:ph type="body" idx="21"/>
+          </p:nvPr>
+        </p:nvSpPr>
+        <p:spPr>
+          <a:prstGeom prst="rect">
+            <a:avLst/>
+          </a:prstGeom>
+        </p:spPr>
+        <p:txBody>
+          <a:bodyPr/>
+          <a:lstStyle/>
+          <a:p>
+            <a:pPr/>
+          </a:p>
+        </p:txBody>
+      </p:sp>
+      <p:sp>
+        <p:nvSpPr>
+          <p:cNvPr id="254" name="Creating a transactional network using payment data, enriching node attributes with internal (Risk rating, GCA, etc) and External (D&amp;B, ESG) datasources.…"/>
+          <p:cNvSpPr txBox="1"/>
+          <p:nvPr>
+            <p:ph type="body" idx="1"/>
+          </p:nvPr>
+        </p:nvSpPr>
+        <p:spPr>
+          <a:xfrm>
+            <a:off x="1206500" y="3631188"/>
+            <a:ext cx="21971000" cy="8256011"/>
+          </a:xfrm>
+          <a:prstGeom prst="rect">
+            <a:avLst/>
+          </a:prstGeom>
+        </p:spPr>
+        <p:txBody>
+          <a:bodyPr/>
+          <a:lstStyle/>
+          <a:p>
+            <a:pPr marL="0" indent="0" defTabSz="1658070">
+              <a:spcBef>
+                <a:spcPts val="3000"/>
+              </a:spcBef>
+              <a:buSzTx/>
+              <a:buNone/>
+              <a:defRPr sz="3264"/>
+            </a:pPr>
+            <a:r>
+              <a:t>Creating a transactional network using payment data, enriching node attributes with internal (Risk rating, GCA, etc) and External (D&amp;B, ESG) datasources. </a:t>
+            </a:r>
+          </a:p>
+          <a:p>
+            <a:pPr marL="0" indent="0" defTabSz="1658070">
+              <a:spcBef>
+                <a:spcPts val="3000"/>
+              </a:spcBef>
+              <a:buSzTx/>
+              <a:buNone/>
+              <a:defRPr sz="3264"/>
+            </a:pPr>
+          </a:p>
+          <a:p>
+            <a:pPr marL="0" indent="0" defTabSz="1658070">
+              <a:spcBef>
+                <a:spcPts val="3000"/>
+              </a:spcBef>
+              <a:buSzTx/>
+              <a:buNone/>
+              <a:defRPr sz="3264"/>
+            </a:pPr>
+            <a:r>
+              <a:t>Use cases:</a:t>
+            </a:r>
+          </a:p>
+          <a:p>
+            <a:pPr marL="414527" indent="-414527" defTabSz="1658070">
+              <a:spcBef>
+                <a:spcPts val="3000"/>
+              </a:spcBef>
+              <a:defRPr sz="3264"/>
+            </a:pPr>
+            <a:r>
+              <a:t>Supply Chain Analytics - Identify supply chains (Aneek’s Project)</a:t>
+            </a:r>
+          </a:p>
+          <a:p>
+            <a:pPr marL="414527" indent="-414527" defTabSz="1658070">
+              <a:spcBef>
+                <a:spcPts val="3000"/>
+              </a:spcBef>
+              <a:defRPr sz="3264"/>
+            </a:pPr>
+            <a:r>
+              <a:t>Identify relationships between entities - e.g. Company A risk rating changed to high-risk, identify which clients might be impacted. </a:t>
+            </a:r>
+          </a:p>
+          <a:p>
+            <a:pPr marL="414527" indent="-414527" defTabSz="1658070">
+              <a:spcBef>
+                <a:spcPts val="3000"/>
+              </a:spcBef>
+              <a:defRPr sz="3264"/>
+            </a:pPr>
+            <a:r>
+              <a:t>Clustering</a:t>
+            </a:r>
+          </a:p>
+          <a:p>
+            <a:pPr lvl="1" marL="829055" indent="-414527" defTabSz="1658070">
+              <a:spcBef>
+                <a:spcPts val="3000"/>
+              </a:spcBef>
+              <a:defRPr sz="3264"/>
+            </a:pPr>
+            <a:r>
+              <a:t>Between graph clustering - Clustering set of graphs into clusters - identifying similar payment profile? E.g. this client has similar payment profile to another client but does not have product X, are they a good candidate for product X?</a:t>
+            </a:r>
+          </a:p>
+          <a:p>
+            <a:pPr lvl="1" marL="829055" indent="-414527" defTabSz="1658070">
+              <a:spcBef>
+                <a:spcPts val="3000"/>
+              </a:spcBef>
+              <a:defRPr sz="3264"/>
+            </a:pPr>
+            <a:r>
+              <a:t>Within graph clustering - Clustering nodes together within a graph.</a:t>
+            </a:r>
+          </a:p>
+        </p:txBody>
+      </p:sp>
+    </p:spTree>
+  </p:cSld>
+  <p:clrMapOvr>
+    <a:masterClrMapping/>
+  </p:clrMapOvr>
+  <p:transition xmlns:p14="http://schemas.microsoft.com/office/powerpoint/2010/main" spd="med" advClick="1"/>
+</p:sld>
+</file>
+
+<file path=ppt/slides/slide23.xml><?xml version="1.0" encoding="utf-8"?>
+<p:sld xmlns:a="http://schemas.openxmlformats.org/drawingml/2006/main" xmlns:r="http://schemas.openxmlformats.org/officeDocument/2006/relationships" xmlns:p="http://schemas.openxmlformats.org/presentationml/2006/main" xmlns:m="http://schemas.openxmlformats.org/officeDocument/2006/math" xmlns:a14="http://schemas.microsoft.com/office/drawing/2010/main" showMasterSp="1" showMasterPhAnim="1">
+  <p:cSld>
+    <p:spTree>
+      <p:nvGrpSpPr>
+        <p:cNvPr id="1" name=""/>
+        <p:cNvGrpSpPr/>
+        <p:nvPr/>
+      </p:nvGrpSpPr>
+      <p:grpSpPr>
+        <a:xfrm>
+          <a:off x="0" y="0"/>
+          <a:ext cx="0" cy="0"/>
+          <a:chOff x="0" y="0"/>
+          <a:chExt cx="0" cy="0"/>
+        </a:xfrm>
+      </p:grpSpPr>
+      <p:sp>
+        <p:nvSpPr>
+          <p:cNvPr id="256" name="Any questions?"/>
+          <p:cNvSpPr txBox="1"/>
+          <p:nvPr>
+            <p:ph type="title"/>
+          </p:nvPr>
+        </p:nvSpPr>
+        <p:spPr>
+          <a:xfrm>
+            <a:off x="1206500" y="6141418"/>
+            <a:ext cx="21971000" cy="1433164"/>
+          </a:xfrm>
+          <a:prstGeom prst="rect">
+            <a:avLst/>
+          </a:prstGeom>
+        </p:spPr>
+        <p:txBody>
+          <a:bodyPr/>
+          <a:lstStyle/>
+          <a:p>
+            <a:pPr/>
+            <a:r>
+              <a:t>Any questions?</a:t>
+            </a:r>
+          </a:p>
+        </p:txBody>
+      </p:sp>
+    </p:spTree>
+  </p:cSld>
+  <p:clrMapOvr>
+    <a:masterClrMapping/>
+  </p:clrMapOvr>
+  <p:transition xmlns:p14="http://schemas.microsoft.com/office/powerpoint/2010/main" spd="med" advClick="1"/>
+</p:sld>
+</file>
+
 <file path=ppt/slides/slide3.xml><?xml version="1.0" encoding="utf-8"?>
 <p:sld xmlns:a="http://schemas.openxmlformats.org/drawingml/2006/main" xmlns:r="http://schemas.openxmlformats.org/officeDocument/2006/relationships" xmlns:p="http://schemas.openxmlformats.org/presentationml/2006/main" xmlns:m="http://schemas.openxmlformats.org/officeDocument/2006/math" xmlns:a14="http://schemas.microsoft.com/office/drawing/2010/main" showMasterSp="1" showMasterPhAnim="1">
   <p:cSld>
@@ -6195,7 +7801,7 @@
               <a:t>	Betweenness</a:t>
             </a:r>
             <a:r>
-              <a:t> — the amount of short path going through the node</a:t>
+              <a:t> — quantifies the number of times a node acts as a bridge along the shortest path between two other nodes</a:t>
             </a:r>
           </a:p>
         </p:txBody>
